--- a/Result.pptx
+++ b/Result.pptx
@@ -145,6 +145,11 @@
       </a:defRPr>
     </a:lvl9pPr>
   </p:defaultTextStyle>
+  <p:extLst>
+    <p:ext uri="{EFAFB233-063F-42B5-8137-9DF3F51BA10A}">
+      <p15:sldGuideLst xmlns:p15="http://schemas.microsoft.com/office/powerpoint/2012/main"/>
+    </p:ext>
+  </p:extLst>
 </p:presentation>
 </file>
 
@@ -171,7 +176,7 @@
               </a:defRPr>
             </a:pPr>
             <a:r>
-              <a:rPr sz="1862" b="0" strike="noStrike" spc="-1">
+              <a:rPr lang="en-US" sz="1862" b="0" strike="noStrike" spc="-1">
                 <a:solidFill>
                   <a:srgbClr val="595959"/>
                 </a:solidFill>
@@ -5281,7 +5286,7 @@
                   <c:v>0.88139999999999996</c:v>
                 </c:pt>
                 <c:pt idx="11">
-                  <c:v>0.67930000000000001</c:v>
+                  <c:v>0.82430000000000003</c:v>
                 </c:pt>
               </c:numCache>
             </c:numRef>
@@ -5726,7 +5731,7 @@
                   <c:v>0.8236</c:v>
                 </c:pt>
                 <c:pt idx="11">
-                  <c:v>0.65580000000000005</c:v>
+                  <c:v>0.71379999999999999</c:v>
                 </c:pt>
               </c:numCache>
             </c:numRef>
@@ -33215,7 +33220,7 @@
           <p:nvPr>
             <p:extLst>
               <p:ext uri="{D42A27DB-BD31-4B8C-83A1-F6EECF244321}">
-                <p14:modId xmlns:p14="http://schemas.microsoft.com/office/powerpoint/2010/main" val="569586451"/>
+                <p14:modId xmlns:p14="http://schemas.microsoft.com/office/powerpoint/2010/main" val="240372768"/>
               </p:ext>
             </p:extLst>
           </p:nvPr>
@@ -33357,7 +33362,7 @@
           <p:nvPr>
             <p:extLst>
               <p:ext uri="{D42A27DB-BD31-4B8C-83A1-F6EECF244321}">
-                <p14:modId xmlns:p14="http://schemas.microsoft.com/office/powerpoint/2010/main" val="2629897634"/>
+                <p14:modId xmlns:p14="http://schemas.microsoft.com/office/powerpoint/2010/main" val="1125171267"/>
               </p:ext>
             </p:extLst>
           </p:nvPr>

--- a/Result.pptx
+++ b/Result.pptx
@@ -5128,13 +5128,13 @@
                   <c:v>1</c:v>
                 </c:pt>
                 <c:pt idx="5">
-                  <c:v>0.99880000000000002</c:v>
+                  <c:v>1</c:v>
                 </c:pt>
                 <c:pt idx="6">
-                  <c:v>0.95030000000000003</c:v>
+                  <c:v>0.96179999999999999</c:v>
                 </c:pt>
                 <c:pt idx="7">
-                  <c:v>0.99660000000000004</c:v>
+                  <c:v>0.99939999999999996</c:v>
                 </c:pt>
                 <c:pt idx="8">
                   <c:v>0.99950000000000006</c:v>
@@ -5146,7 +5146,7 @@
                   <c:v>0.98280000000000001</c:v>
                 </c:pt>
                 <c:pt idx="11">
-                  <c:v>0.90859999999999996</c:v>
+                  <c:v>0.86850000000000005</c:v>
                 </c:pt>
               </c:numCache>
             </c:numRef>
@@ -5262,7 +5262,7 @@
                   <c:v>0.97009999999999996</c:v>
                 </c:pt>
                 <c:pt idx="3">
-                  <c:v>0.96260000000000001</c:v>
+                  <c:v>0.96299999999999997</c:v>
                 </c:pt>
                 <c:pt idx="4">
                   <c:v>1</c:v>
@@ -5271,10 +5271,10 @@
                   <c:v>1</c:v>
                 </c:pt>
                 <c:pt idx="6">
-                  <c:v>0.93089999999999995</c:v>
+                  <c:v>0.9446</c:v>
                 </c:pt>
                 <c:pt idx="7">
-                  <c:v>0.9839</c:v>
+                  <c:v>0.99050000000000005</c:v>
                 </c:pt>
                 <c:pt idx="8">
                   <c:v>0.99950000000000006</c:v>
@@ -5576,10 +5576,10 @@
                   <c:v>0.87860000000000005</c:v>
                 </c:pt>
                 <c:pt idx="6">
-                  <c:v>0.84160000000000001</c:v>
+                  <c:v>0.79949999999999999</c:v>
                 </c:pt>
                 <c:pt idx="7">
-                  <c:v>0.85260000000000002</c:v>
+                  <c:v>0.84970000000000001</c:v>
                 </c:pt>
                 <c:pt idx="8">
                   <c:v>0.99070000000000003</c:v>
@@ -5591,7 +5591,7 @@
                   <c:v>0.78879999999999995</c:v>
                 </c:pt>
                 <c:pt idx="11">
-                  <c:v>0.65920000000000001</c:v>
+                  <c:v>0.66239999999999999</c:v>
                 </c:pt>
               </c:numCache>
             </c:numRef>
@@ -5707,19 +5707,19 @@
                   <c:v>0.57289999999999996</c:v>
                 </c:pt>
                 <c:pt idx="3">
-                  <c:v>0.80600000000000005</c:v>
+                  <c:v>0.85870000000000002</c:v>
                 </c:pt>
                 <c:pt idx="4">
                   <c:v>1</c:v>
                 </c:pt>
                 <c:pt idx="5">
-                  <c:v>0.87180000000000002</c:v>
+                  <c:v>0.88370000000000004</c:v>
                 </c:pt>
                 <c:pt idx="6">
-                  <c:v>0.77180000000000004</c:v>
+                  <c:v>0.7792</c:v>
                 </c:pt>
                 <c:pt idx="7">
-                  <c:v>0.84889999999999999</c:v>
+                  <c:v>0.85209999999999997</c:v>
                 </c:pt>
                 <c:pt idx="8">
                   <c:v>0.98199999999999998</c:v>
@@ -18879,15 +18879,20 @@
               <a:rPr lang="en-US" sz="2000" b="0" strike="noStrike" spc="-1" dirty="0">
                 <a:latin typeface="Arial"/>
               </a:rPr>
-              <a:t>Precision on SVM, RNN, LSTM</a:t>
+              <a:t>Precision on </a:t>
             </a:r>
-          </a:p>
-          <a:p>
-            <a:pPr marL="216000" indent="-215640">
-              <a:lnSpc>
-                <a:spcPct val="100000"/>
-              </a:lnSpc>
-            </a:pPr>
+            <a:r>
+              <a:rPr lang="en-US" altLang="zh-CN" sz="2000" b="0" strike="noStrike" spc="-1" dirty="0">
+                <a:latin typeface="Arial"/>
+              </a:rPr>
+              <a:t>LSTM and </a:t>
+            </a:r>
+            <a:r>
+              <a:rPr lang="en-US" altLang="zh-CN" sz="2000" b="0" strike="noStrike" spc="-1" dirty="0" err="1">
+                <a:latin typeface="Arial"/>
+              </a:rPr>
+              <a:t>BiLSTM</a:t>
+            </a:r>
             <a:endParaRPr lang="en-US" sz="2000" b="0" strike="noStrike" spc="-1" dirty="0">
               <a:latin typeface="Arial"/>
             </a:endParaRPr>
@@ -19024,11 +19029,26 @@
               </a:lnSpc>
             </a:pPr>
             <a:r>
-              <a:rPr lang="en-US" sz="2000" b="0" strike="noStrike" spc="-1">
-                <a:latin typeface="Arial"/>
+              <a:rPr lang="en-US" altLang="zh-CN" sz="2000" b="0" strike="noStrike" spc="-1">
+                <a:latin typeface="+mn-lt"/>
               </a:rPr>
-              <a:t>Precision on SVM, RNN, LSTM</a:t>
+              <a:t>Recall </a:t>
             </a:r>
+            <a:r>
+              <a:rPr lang="en-US" altLang="zh-CN" sz="2000" b="0" strike="noStrike" spc="-1" dirty="0">
+                <a:latin typeface="+mn-lt"/>
+              </a:rPr>
+              <a:t>on LSTM and </a:t>
+            </a:r>
+            <a:r>
+              <a:rPr lang="en-US" altLang="zh-CN" sz="2000" b="0" strike="noStrike" spc="-1" dirty="0" err="1">
+                <a:latin typeface="+mn-lt"/>
+              </a:rPr>
+              <a:t>BiLSTM</a:t>
+            </a:r>
+            <a:endParaRPr lang="en-US" altLang="zh-CN" sz="2000" b="0" strike="noStrike" spc="-1" dirty="0">
+              <a:latin typeface="+mn-lt"/>
+            </a:endParaRPr>
           </a:p>
           <a:p>
             <a:pPr marL="216000" indent="-215640">
@@ -19036,7 +19056,7 @@
                 <a:spcPct val="100000"/>
               </a:lnSpc>
             </a:pPr>
-            <a:endParaRPr lang="en-US" sz="2000" b="0" strike="noStrike" spc="-1">
+            <a:endParaRPr lang="en-US" sz="2000" b="0" strike="noStrike" spc="-1" dirty="0">
               <a:latin typeface="Arial"/>
             </a:endParaRPr>
           </a:p>
@@ -29912,7 +29932,7 @@
         </p:nvGraphicFramePr>
         <p:xfrm>
           <a:off x="79920" y="2628720"/>
-          <a:ext cx="8983440" cy="2000160"/>
+          <a:ext cx="8983800" cy="2002896"/>
         </p:xfrm>
         <a:graphic>
           <a:graphicData uri="http://schemas.openxmlformats.org/drawingml/2006/table">
@@ -33220,7 +33240,7 @@
           <p:nvPr>
             <p:extLst>
               <p:ext uri="{D42A27DB-BD31-4B8C-83A1-F6EECF244321}">
-                <p14:modId xmlns:p14="http://schemas.microsoft.com/office/powerpoint/2010/main" val="240372768"/>
+                <p14:modId xmlns:p14="http://schemas.microsoft.com/office/powerpoint/2010/main" val="2736637040"/>
               </p:ext>
             </p:extLst>
           </p:nvPr>
@@ -33362,7 +33382,7 @@
           <p:nvPr>
             <p:extLst>
               <p:ext uri="{D42A27DB-BD31-4B8C-83A1-F6EECF244321}">
-                <p14:modId xmlns:p14="http://schemas.microsoft.com/office/powerpoint/2010/main" val="1125171267"/>
+                <p14:modId xmlns:p14="http://schemas.microsoft.com/office/powerpoint/2010/main" val="3363806495"/>
               </p:ext>
             </p:extLst>
           </p:nvPr>

--- a/Result.pptx
+++ b/Result.pptx
@@ -5128,13 +5128,13 @@
                   <c:v>1</c:v>
                 </c:pt>
                 <c:pt idx="5">
-                  <c:v>1</c:v>
+                  <c:v>0.99880000000000002</c:v>
                 </c:pt>
                 <c:pt idx="6">
-                  <c:v>0.96179999999999999</c:v>
+                  <c:v>0.95030000000000003</c:v>
                 </c:pt>
                 <c:pt idx="7">
-                  <c:v>0.99939999999999996</c:v>
+                  <c:v>0.99660000000000004</c:v>
                 </c:pt>
                 <c:pt idx="8">
                   <c:v>0.99950000000000006</c:v>
@@ -5146,7 +5146,7 @@
                   <c:v>0.98280000000000001</c:v>
                 </c:pt>
                 <c:pt idx="11">
-                  <c:v>0.86850000000000005</c:v>
+                  <c:v>0.90859999999999996</c:v>
                 </c:pt>
               </c:numCache>
             </c:numRef>
@@ -5262,7 +5262,7 @@
                   <c:v>0.97009999999999996</c:v>
                 </c:pt>
                 <c:pt idx="3">
-                  <c:v>0.96299999999999997</c:v>
+                  <c:v>0.96260000000000001</c:v>
                 </c:pt>
                 <c:pt idx="4">
                   <c:v>1</c:v>
@@ -5271,10 +5271,10 @@
                   <c:v>1</c:v>
                 </c:pt>
                 <c:pt idx="6">
-                  <c:v>0.9446</c:v>
+                  <c:v>0.93089999999999995</c:v>
                 </c:pt>
                 <c:pt idx="7">
-                  <c:v>0.99050000000000005</c:v>
+                  <c:v>0.9839</c:v>
                 </c:pt>
                 <c:pt idx="8">
                   <c:v>0.99950000000000006</c:v>
@@ -5576,10 +5576,10 @@
                   <c:v>0.87860000000000005</c:v>
                 </c:pt>
                 <c:pt idx="6">
-                  <c:v>0.79949999999999999</c:v>
+                  <c:v>0.84160000000000001</c:v>
                 </c:pt>
                 <c:pt idx="7">
-                  <c:v>0.84970000000000001</c:v>
+                  <c:v>0.85260000000000002</c:v>
                 </c:pt>
                 <c:pt idx="8">
                   <c:v>0.99070000000000003</c:v>
@@ -5591,7 +5591,7 @@
                   <c:v>0.78879999999999995</c:v>
                 </c:pt>
                 <c:pt idx="11">
-                  <c:v>0.66239999999999999</c:v>
+                  <c:v>0.65920000000000001</c:v>
                 </c:pt>
               </c:numCache>
             </c:numRef>
@@ -5707,19 +5707,19 @@
                   <c:v>0.57289999999999996</c:v>
                 </c:pt>
                 <c:pt idx="3">
-                  <c:v>0.85870000000000002</c:v>
+                  <c:v>0.80600000000000005</c:v>
                 </c:pt>
                 <c:pt idx="4">
                   <c:v>1</c:v>
                 </c:pt>
                 <c:pt idx="5">
-                  <c:v>0.88370000000000004</c:v>
+                  <c:v>0.87180000000000002</c:v>
                 </c:pt>
                 <c:pt idx="6">
-                  <c:v>0.7792</c:v>
+                  <c:v>0.77180000000000004</c:v>
                 </c:pt>
                 <c:pt idx="7">
-                  <c:v>0.85209999999999997</c:v>
+                  <c:v>0.84889999999999999</c:v>
                 </c:pt>
                 <c:pt idx="8">
                   <c:v>0.98199999999999998</c:v>
@@ -18879,20 +18879,15 @@
               <a:rPr lang="en-US" sz="2000" b="0" strike="noStrike" spc="-1" dirty="0">
                 <a:latin typeface="Arial"/>
               </a:rPr>
-              <a:t>Precision on </a:t>
+              <a:t>Precision on SVM, RNN, LSTM</a:t>
             </a:r>
-            <a:r>
-              <a:rPr lang="en-US" altLang="zh-CN" sz="2000" b="0" strike="noStrike" spc="-1" dirty="0">
-                <a:latin typeface="Arial"/>
-              </a:rPr>
-              <a:t>LSTM and </a:t>
-            </a:r>
-            <a:r>
-              <a:rPr lang="en-US" altLang="zh-CN" sz="2000" b="0" strike="noStrike" spc="-1" dirty="0" err="1">
-                <a:latin typeface="Arial"/>
-              </a:rPr>
-              <a:t>BiLSTM</a:t>
-            </a:r>
+          </a:p>
+          <a:p>
+            <a:pPr marL="216000" indent="-215640">
+              <a:lnSpc>
+                <a:spcPct val="100000"/>
+              </a:lnSpc>
+            </a:pPr>
             <a:endParaRPr lang="en-US" sz="2000" b="0" strike="noStrike" spc="-1" dirty="0">
               <a:latin typeface="Arial"/>
             </a:endParaRPr>
@@ -19029,26 +19024,11 @@
               </a:lnSpc>
             </a:pPr>
             <a:r>
-              <a:rPr lang="en-US" altLang="zh-CN" sz="2000" b="0" strike="noStrike" spc="-1">
-                <a:latin typeface="+mn-lt"/>
+              <a:rPr lang="en-US" sz="2000" b="0" strike="noStrike" spc="-1">
+                <a:latin typeface="Arial"/>
               </a:rPr>
-              <a:t>Recall </a:t>
+              <a:t>Precision on SVM, RNN, LSTM</a:t>
             </a:r>
-            <a:r>
-              <a:rPr lang="en-US" altLang="zh-CN" sz="2000" b="0" strike="noStrike" spc="-1" dirty="0">
-                <a:latin typeface="+mn-lt"/>
-              </a:rPr>
-              <a:t>on LSTM and </a:t>
-            </a:r>
-            <a:r>
-              <a:rPr lang="en-US" altLang="zh-CN" sz="2000" b="0" strike="noStrike" spc="-1" dirty="0" err="1">
-                <a:latin typeface="+mn-lt"/>
-              </a:rPr>
-              <a:t>BiLSTM</a:t>
-            </a:r>
-            <a:endParaRPr lang="en-US" altLang="zh-CN" sz="2000" b="0" strike="noStrike" spc="-1" dirty="0">
-              <a:latin typeface="+mn-lt"/>
-            </a:endParaRPr>
           </a:p>
           <a:p>
             <a:pPr marL="216000" indent="-215640">
@@ -19056,7 +19036,7 @@
                 <a:spcPct val="100000"/>
               </a:lnSpc>
             </a:pPr>
-            <a:endParaRPr lang="en-US" sz="2000" b="0" strike="noStrike" spc="-1" dirty="0">
+            <a:endParaRPr lang="en-US" sz="2000" b="0" strike="noStrike" spc="-1">
               <a:latin typeface="Arial"/>
             </a:endParaRPr>
           </a:p>
@@ -29932,7 +29912,7 @@
         </p:nvGraphicFramePr>
         <p:xfrm>
           <a:off x="79920" y="2628720"/>
-          <a:ext cx="8983800" cy="2002896"/>
+          <a:ext cx="8983440" cy="2000160"/>
         </p:xfrm>
         <a:graphic>
           <a:graphicData uri="http://schemas.openxmlformats.org/drawingml/2006/table">
@@ -33240,7 +33220,7 @@
           <p:nvPr>
             <p:extLst>
               <p:ext uri="{D42A27DB-BD31-4B8C-83A1-F6EECF244321}">
-                <p14:modId xmlns:p14="http://schemas.microsoft.com/office/powerpoint/2010/main" val="2736637040"/>
+                <p14:modId xmlns:p14="http://schemas.microsoft.com/office/powerpoint/2010/main" val="240372768"/>
               </p:ext>
             </p:extLst>
           </p:nvPr>
@@ -33382,7 +33362,7 @@
           <p:nvPr>
             <p:extLst>
               <p:ext uri="{D42A27DB-BD31-4B8C-83A1-F6EECF244321}">
-                <p14:modId xmlns:p14="http://schemas.microsoft.com/office/powerpoint/2010/main" val="3363806495"/>
+                <p14:modId xmlns:p14="http://schemas.microsoft.com/office/powerpoint/2010/main" val="1125171267"/>
               </p:ext>
             </p:extLst>
           </p:nvPr>
